--- a/output/2023-10-6/writing.pptx
+++ b/output/2023-10-6/writing.pptx
@@ -9,9 +9,16 @@
     <p:sldId id="257" r:id="rId3"/>
     <p:sldId id="258" r:id="rId4"/>
     <p:sldId id="259" r:id="rId5"/>
+    <p:sldId id="260" r:id="rId6"/>
+    <p:sldId id="261" r:id="rId7"/>
+    <p:sldId id="262" r:id="rId8"/>
+    <p:sldId id="263" r:id="rId9"/>
+    <p:sldId id="264" r:id="rId10"/>
+    <p:sldId id="265" r:id="rId11"/>
+    <p:sldId id="266" r:id="rId12"/>
   </p:sldIdLst>
   <p:notesMasterIdLst>
-    <p:notesMasterId r:id="rId6"/>
+    <p:notesMasterId r:id="rId13"/>
   </p:notesMasterIdLst>
   <p:sldSz cx="9144000" cy="5143500"/>
   <p:notesSz cx="5143500" cy="9144000"/>
@@ -547,6 +554,182 @@
 </p:notes>
 </file>
 
+<file path=ppt/notesSlides/notesSlide10.xml><?xml version="1.0" encoding="utf-8"?>
+<p:notes xmlns:a="http://schemas.openxmlformats.org/drawingml/2006/main" xmlns:r="http://schemas.openxmlformats.org/officeDocument/2006/relationships" xmlns:p="http://schemas.openxmlformats.org/presentationml/2006/main">
+  <p:cSld>
+    <p:spTree>
+      <p:nvGrpSpPr>
+        <p:cNvPr id="1" name=""/>
+        <p:cNvGrpSpPr/>
+        <p:nvPr/>
+      </p:nvGrpSpPr>
+      <p:grpSpPr>
+        <a:xfrm>
+          <a:off x="0" y="0"/>
+          <a:ext cx="0" cy="0"/>
+          <a:chOff x="0" y="0"/>
+          <a:chExt cx="0" cy="0"/>
+        </a:xfrm>
+      </p:grpSpPr>
+      <p:sp>
+        <p:nvSpPr>
+          <p:cNvPr id="2" name="Slide Image Placeholder 1"/>
+          <p:cNvSpPr>
+            <a:spLocks noGrp="1" noRot="1" noChangeAspect="1"/>
+          </p:cNvSpPr>
+          <p:nvPr>
+            <p:ph type="sldImg"/>
+          </p:nvPr>
+        </p:nvSpPr>
+        <p:spPr/>
+      </p:sp>
+      <p:sp>
+        <p:nvSpPr>
+          <p:cNvPr id="3" name="Notes Placeholder 2"/>
+          <p:cNvSpPr>
+            <a:spLocks noGrp="1"/>
+          </p:cNvSpPr>
+          <p:nvPr>
+            <p:ph type="body" idx="1"/>
+          </p:nvPr>
+        </p:nvSpPr>
+        <p:spPr/>
+        <p:txBody>
+          <a:bodyPr/>
+          <a:lstStyle/>
+          <a:p>
+            <a:r>
+              <a:rPr lang="en-US" dirty="0"/>
+              <a:t/>
+            </a:r>
+            <a:endParaRPr lang="en-US" dirty="0"/>
+          </a:p>
+        </p:txBody>
+      </p:sp>
+      <p:sp>
+        <p:nvSpPr>
+          <p:cNvPr id="4" name="Slide Number Placeholder 3"/>
+          <p:cNvSpPr>
+            <a:spLocks noGrp="1"/>
+          </p:cNvSpPr>
+          <p:nvPr>
+            <p:ph type="sldNum" sz="quarter" idx="10"/>
+          </p:nvPr>
+        </p:nvSpPr>
+        <p:spPr/>
+        <p:txBody>
+          <a:bodyPr/>
+          <a:lstStyle/>
+          <a:p>
+            <a:fld id="{F7021451-1387-4CA6-816F-3879F97B5CBC}" type="slidenum">
+              <a:rPr lang="en-US"/>
+              <a:t>10</a:t>
+            </a:fld>
+            <a:endParaRPr lang="en-US"/>
+          </a:p>
+        </p:txBody>
+      </p:sp>
+    </p:spTree>
+    <p:extLst>
+      <p:ext uri="{BB962C8B-B14F-4D97-AF65-F5344CB8AC3E}">
+        <p14:creationId xmlns:p14="http://schemas.microsoft.com/office/powerpoint/2010/main" val="1024086991"/>
+      </p:ext>
+    </p:extLst>
+  </p:cSld>
+  <p:clrMapOvr>
+    <a:masterClrMapping/>
+  </p:clrMapOvr>
+</p:notes>
+</file>
+
+<file path=ppt/notesSlides/notesSlide11.xml><?xml version="1.0" encoding="utf-8"?>
+<p:notes xmlns:a="http://schemas.openxmlformats.org/drawingml/2006/main" xmlns:r="http://schemas.openxmlformats.org/officeDocument/2006/relationships" xmlns:p="http://schemas.openxmlformats.org/presentationml/2006/main">
+  <p:cSld>
+    <p:spTree>
+      <p:nvGrpSpPr>
+        <p:cNvPr id="1" name=""/>
+        <p:cNvGrpSpPr/>
+        <p:nvPr/>
+      </p:nvGrpSpPr>
+      <p:grpSpPr>
+        <a:xfrm>
+          <a:off x="0" y="0"/>
+          <a:ext cx="0" cy="0"/>
+          <a:chOff x="0" y="0"/>
+          <a:chExt cx="0" cy="0"/>
+        </a:xfrm>
+      </p:grpSpPr>
+      <p:sp>
+        <p:nvSpPr>
+          <p:cNvPr id="2" name="Slide Image Placeholder 1"/>
+          <p:cNvSpPr>
+            <a:spLocks noGrp="1" noRot="1" noChangeAspect="1"/>
+          </p:cNvSpPr>
+          <p:nvPr>
+            <p:ph type="sldImg"/>
+          </p:nvPr>
+        </p:nvSpPr>
+        <p:spPr/>
+      </p:sp>
+      <p:sp>
+        <p:nvSpPr>
+          <p:cNvPr id="3" name="Notes Placeholder 2"/>
+          <p:cNvSpPr>
+            <a:spLocks noGrp="1"/>
+          </p:cNvSpPr>
+          <p:nvPr>
+            <p:ph type="body" idx="1"/>
+          </p:nvPr>
+        </p:nvSpPr>
+        <p:spPr/>
+        <p:txBody>
+          <a:bodyPr/>
+          <a:lstStyle/>
+          <a:p>
+            <a:r>
+              <a:rPr lang="en-US" dirty="0"/>
+              <a:t/>
+            </a:r>
+            <a:endParaRPr lang="en-US" dirty="0"/>
+          </a:p>
+        </p:txBody>
+      </p:sp>
+      <p:sp>
+        <p:nvSpPr>
+          <p:cNvPr id="4" name="Slide Number Placeholder 3"/>
+          <p:cNvSpPr>
+            <a:spLocks noGrp="1"/>
+          </p:cNvSpPr>
+          <p:nvPr>
+            <p:ph type="sldNum" sz="quarter" idx="10"/>
+          </p:nvPr>
+        </p:nvSpPr>
+        <p:spPr/>
+        <p:txBody>
+          <a:bodyPr/>
+          <a:lstStyle/>
+          <a:p>
+            <a:fld id="{F7021451-1387-4CA6-816F-3879F97B5CBC}" type="slidenum">
+              <a:rPr lang="en-US"/>
+              <a:t>11</a:t>
+            </a:fld>
+            <a:endParaRPr lang="en-US"/>
+          </a:p>
+        </p:txBody>
+      </p:sp>
+    </p:spTree>
+    <p:extLst>
+      <p:ext uri="{BB962C8B-B14F-4D97-AF65-F5344CB8AC3E}">
+        <p14:creationId xmlns:p14="http://schemas.microsoft.com/office/powerpoint/2010/main" val="1024086991"/>
+      </p:ext>
+    </p:extLst>
+  </p:cSld>
+  <p:clrMapOvr>
+    <a:masterClrMapping/>
+  </p:clrMapOvr>
+</p:notes>
+</file>
+
 <file path=ppt/notesSlides/notesSlide2.xml><?xml version="1.0" encoding="utf-8"?>
 <p:notes xmlns:a="http://schemas.openxmlformats.org/drawingml/2006/main" xmlns:r="http://schemas.openxmlformats.org/officeDocument/2006/relationships" xmlns:p="http://schemas.openxmlformats.org/presentationml/2006/main">
   <p:cSld>
@@ -793,6 +976,446 @@
             <a:fld id="{F7021451-1387-4CA6-816F-3879F97B5CBC}" type="slidenum">
               <a:rPr lang="en-US"/>
               <a:t>4</a:t>
+            </a:fld>
+            <a:endParaRPr lang="en-US"/>
+          </a:p>
+        </p:txBody>
+      </p:sp>
+    </p:spTree>
+    <p:extLst>
+      <p:ext uri="{BB962C8B-B14F-4D97-AF65-F5344CB8AC3E}">
+        <p14:creationId xmlns:p14="http://schemas.microsoft.com/office/powerpoint/2010/main" val="1024086991"/>
+      </p:ext>
+    </p:extLst>
+  </p:cSld>
+  <p:clrMapOvr>
+    <a:masterClrMapping/>
+  </p:clrMapOvr>
+</p:notes>
+</file>
+
+<file path=ppt/notesSlides/notesSlide5.xml><?xml version="1.0" encoding="utf-8"?>
+<p:notes xmlns:a="http://schemas.openxmlformats.org/drawingml/2006/main" xmlns:r="http://schemas.openxmlformats.org/officeDocument/2006/relationships" xmlns:p="http://schemas.openxmlformats.org/presentationml/2006/main">
+  <p:cSld>
+    <p:spTree>
+      <p:nvGrpSpPr>
+        <p:cNvPr id="1" name=""/>
+        <p:cNvGrpSpPr/>
+        <p:nvPr/>
+      </p:nvGrpSpPr>
+      <p:grpSpPr>
+        <a:xfrm>
+          <a:off x="0" y="0"/>
+          <a:ext cx="0" cy="0"/>
+          <a:chOff x="0" y="0"/>
+          <a:chExt cx="0" cy="0"/>
+        </a:xfrm>
+      </p:grpSpPr>
+      <p:sp>
+        <p:nvSpPr>
+          <p:cNvPr id="2" name="Slide Image Placeholder 1"/>
+          <p:cNvSpPr>
+            <a:spLocks noGrp="1" noRot="1" noChangeAspect="1"/>
+          </p:cNvSpPr>
+          <p:nvPr>
+            <p:ph type="sldImg"/>
+          </p:nvPr>
+        </p:nvSpPr>
+        <p:spPr/>
+      </p:sp>
+      <p:sp>
+        <p:nvSpPr>
+          <p:cNvPr id="3" name="Notes Placeholder 2"/>
+          <p:cNvSpPr>
+            <a:spLocks noGrp="1"/>
+          </p:cNvSpPr>
+          <p:nvPr>
+            <p:ph type="body" idx="1"/>
+          </p:nvPr>
+        </p:nvSpPr>
+        <p:spPr/>
+        <p:txBody>
+          <a:bodyPr/>
+          <a:lstStyle/>
+          <a:p>
+            <a:r>
+              <a:rPr lang="en-US" dirty="0"/>
+              <a:t/>
+            </a:r>
+            <a:endParaRPr lang="en-US" dirty="0"/>
+          </a:p>
+        </p:txBody>
+      </p:sp>
+      <p:sp>
+        <p:nvSpPr>
+          <p:cNvPr id="4" name="Slide Number Placeholder 3"/>
+          <p:cNvSpPr>
+            <a:spLocks noGrp="1"/>
+          </p:cNvSpPr>
+          <p:nvPr>
+            <p:ph type="sldNum" sz="quarter" idx="10"/>
+          </p:nvPr>
+        </p:nvSpPr>
+        <p:spPr/>
+        <p:txBody>
+          <a:bodyPr/>
+          <a:lstStyle/>
+          <a:p>
+            <a:fld id="{F7021451-1387-4CA6-816F-3879F97B5CBC}" type="slidenum">
+              <a:rPr lang="en-US"/>
+              <a:t>5</a:t>
+            </a:fld>
+            <a:endParaRPr lang="en-US"/>
+          </a:p>
+        </p:txBody>
+      </p:sp>
+    </p:spTree>
+    <p:extLst>
+      <p:ext uri="{BB962C8B-B14F-4D97-AF65-F5344CB8AC3E}">
+        <p14:creationId xmlns:p14="http://schemas.microsoft.com/office/powerpoint/2010/main" val="1024086991"/>
+      </p:ext>
+    </p:extLst>
+  </p:cSld>
+  <p:clrMapOvr>
+    <a:masterClrMapping/>
+  </p:clrMapOvr>
+</p:notes>
+</file>
+
+<file path=ppt/notesSlides/notesSlide6.xml><?xml version="1.0" encoding="utf-8"?>
+<p:notes xmlns:a="http://schemas.openxmlformats.org/drawingml/2006/main" xmlns:r="http://schemas.openxmlformats.org/officeDocument/2006/relationships" xmlns:p="http://schemas.openxmlformats.org/presentationml/2006/main">
+  <p:cSld>
+    <p:spTree>
+      <p:nvGrpSpPr>
+        <p:cNvPr id="1" name=""/>
+        <p:cNvGrpSpPr/>
+        <p:nvPr/>
+      </p:nvGrpSpPr>
+      <p:grpSpPr>
+        <a:xfrm>
+          <a:off x="0" y="0"/>
+          <a:ext cx="0" cy="0"/>
+          <a:chOff x="0" y="0"/>
+          <a:chExt cx="0" cy="0"/>
+        </a:xfrm>
+      </p:grpSpPr>
+      <p:sp>
+        <p:nvSpPr>
+          <p:cNvPr id="2" name="Slide Image Placeholder 1"/>
+          <p:cNvSpPr>
+            <a:spLocks noGrp="1" noRot="1" noChangeAspect="1"/>
+          </p:cNvSpPr>
+          <p:nvPr>
+            <p:ph type="sldImg"/>
+          </p:nvPr>
+        </p:nvSpPr>
+        <p:spPr/>
+      </p:sp>
+      <p:sp>
+        <p:nvSpPr>
+          <p:cNvPr id="3" name="Notes Placeholder 2"/>
+          <p:cNvSpPr>
+            <a:spLocks noGrp="1"/>
+          </p:cNvSpPr>
+          <p:nvPr>
+            <p:ph type="body" idx="1"/>
+          </p:nvPr>
+        </p:nvSpPr>
+        <p:spPr/>
+        <p:txBody>
+          <a:bodyPr/>
+          <a:lstStyle/>
+          <a:p>
+            <a:r>
+              <a:rPr lang="en-US" dirty="0"/>
+              <a:t/>
+            </a:r>
+            <a:endParaRPr lang="en-US" dirty="0"/>
+          </a:p>
+        </p:txBody>
+      </p:sp>
+      <p:sp>
+        <p:nvSpPr>
+          <p:cNvPr id="4" name="Slide Number Placeholder 3"/>
+          <p:cNvSpPr>
+            <a:spLocks noGrp="1"/>
+          </p:cNvSpPr>
+          <p:nvPr>
+            <p:ph type="sldNum" sz="quarter" idx="10"/>
+          </p:nvPr>
+        </p:nvSpPr>
+        <p:spPr/>
+        <p:txBody>
+          <a:bodyPr/>
+          <a:lstStyle/>
+          <a:p>
+            <a:fld id="{F7021451-1387-4CA6-816F-3879F97B5CBC}" type="slidenum">
+              <a:rPr lang="en-US"/>
+              <a:t>6</a:t>
+            </a:fld>
+            <a:endParaRPr lang="en-US"/>
+          </a:p>
+        </p:txBody>
+      </p:sp>
+    </p:spTree>
+    <p:extLst>
+      <p:ext uri="{BB962C8B-B14F-4D97-AF65-F5344CB8AC3E}">
+        <p14:creationId xmlns:p14="http://schemas.microsoft.com/office/powerpoint/2010/main" val="1024086991"/>
+      </p:ext>
+    </p:extLst>
+  </p:cSld>
+  <p:clrMapOvr>
+    <a:masterClrMapping/>
+  </p:clrMapOvr>
+</p:notes>
+</file>
+
+<file path=ppt/notesSlides/notesSlide7.xml><?xml version="1.0" encoding="utf-8"?>
+<p:notes xmlns:a="http://schemas.openxmlformats.org/drawingml/2006/main" xmlns:r="http://schemas.openxmlformats.org/officeDocument/2006/relationships" xmlns:p="http://schemas.openxmlformats.org/presentationml/2006/main">
+  <p:cSld>
+    <p:spTree>
+      <p:nvGrpSpPr>
+        <p:cNvPr id="1" name=""/>
+        <p:cNvGrpSpPr/>
+        <p:nvPr/>
+      </p:nvGrpSpPr>
+      <p:grpSpPr>
+        <a:xfrm>
+          <a:off x="0" y="0"/>
+          <a:ext cx="0" cy="0"/>
+          <a:chOff x="0" y="0"/>
+          <a:chExt cx="0" cy="0"/>
+        </a:xfrm>
+      </p:grpSpPr>
+      <p:sp>
+        <p:nvSpPr>
+          <p:cNvPr id="2" name="Slide Image Placeholder 1"/>
+          <p:cNvSpPr>
+            <a:spLocks noGrp="1" noRot="1" noChangeAspect="1"/>
+          </p:cNvSpPr>
+          <p:nvPr>
+            <p:ph type="sldImg"/>
+          </p:nvPr>
+        </p:nvSpPr>
+        <p:spPr/>
+      </p:sp>
+      <p:sp>
+        <p:nvSpPr>
+          <p:cNvPr id="3" name="Notes Placeholder 2"/>
+          <p:cNvSpPr>
+            <a:spLocks noGrp="1"/>
+          </p:cNvSpPr>
+          <p:nvPr>
+            <p:ph type="body" idx="1"/>
+          </p:nvPr>
+        </p:nvSpPr>
+        <p:spPr/>
+        <p:txBody>
+          <a:bodyPr/>
+          <a:lstStyle/>
+          <a:p>
+            <a:r>
+              <a:rPr lang="en-US" dirty="0"/>
+              <a:t/>
+            </a:r>
+            <a:endParaRPr lang="en-US" dirty="0"/>
+          </a:p>
+        </p:txBody>
+      </p:sp>
+      <p:sp>
+        <p:nvSpPr>
+          <p:cNvPr id="4" name="Slide Number Placeholder 3"/>
+          <p:cNvSpPr>
+            <a:spLocks noGrp="1"/>
+          </p:cNvSpPr>
+          <p:nvPr>
+            <p:ph type="sldNum" sz="quarter" idx="10"/>
+          </p:nvPr>
+        </p:nvSpPr>
+        <p:spPr/>
+        <p:txBody>
+          <a:bodyPr/>
+          <a:lstStyle/>
+          <a:p>
+            <a:fld id="{F7021451-1387-4CA6-816F-3879F97B5CBC}" type="slidenum">
+              <a:rPr lang="en-US"/>
+              <a:t>7</a:t>
+            </a:fld>
+            <a:endParaRPr lang="en-US"/>
+          </a:p>
+        </p:txBody>
+      </p:sp>
+    </p:spTree>
+    <p:extLst>
+      <p:ext uri="{BB962C8B-B14F-4D97-AF65-F5344CB8AC3E}">
+        <p14:creationId xmlns:p14="http://schemas.microsoft.com/office/powerpoint/2010/main" val="1024086991"/>
+      </p:ext>
+    </p:extLst>
+  </p:cSld>
+  <p:clrMapOvr>
+    <a:masterClrMapping/>
+  </p:clrMapOvr>
+</p:notes>
+</file>
+
+<file path=ppt/notesSlides/notesSlide8.xml><?xml version="1.0" encoding="utf-8"?>
+<p:notes xmlns:a="http://schemas.openxmlformats.org/drawingml/2006/main" xmlns:r="http://schemas.openxmlformats.org/officeDocument/2006/relationships" xmlns:p="http://schemas.openxmlformats.org/presentationml/2006/main">
+  <p:cSld>
+    <p:spTree>
+      <p:nvGrpSpPr>
+        <p:cNvPr id="1" name=""/>
+        <p:cNvGrpSpPr/>
+        <p:nvPr/>
+      </p:nvGrpSpPr>
+      <p:grpSpPr>
+        <a:xfrm>
+          <a:off x="0" y="0"/>
+          <a:ext cx="0" cy="0"/>
+          <a:chOff x="0" y="0"/>
+          <a:chExt cx="0" cy="0"/>
+        </a:xfrm>
+      </p:grpSpPr>
+      <p:sp>
+        <p:nvSpPr>
+          <p:cNvPr id="2" name="Slide Image Placeholder 1"/>
+          <p:cNvSpPr>
+            <a:spLocks noGrp="1" noRot="1" noChangeAspect="1"/>
+          </p:cNvSpPr>
+          <p:nvPr>
+            <p:ph type="sldImg"/>
+          </p:nvPr>
+        </p:nvSpPr>
+        <p:spPr/>
+      </p:sp>
+      <p:sp>
+        <p:nvSpPr>
+          <p:cNvPr id="3" name="Notes Placeholder 2"/>
+          <p:cNvSpPr>
+            <a:spLocks noGrp="1"/>
+          </p:cNvSpPr>
+          <p:nvPr>
+            <p:ph type="body" idx="1"/>
+          </p:nvPr>
+        </p:nvSpPr>
+        <p:spPr/>
+        <p:txBody>
+          <a:bodyPr/>
+          <a:lstStyle/>
+          <a:p>
+            <a:r>
+              <a:rPr lang="en-US" dirty="0"/>
+              <a:t/>
+            </a:r>
+            <a:endParaRPr lang="en-US" dirty="0"/>
+          </a:p>
+        </p:txBody>
+      </p:sp>
+      <p:sp>
+        <p:nvSpPr>
+          <p:cNvPr id="4" name="Slide Number Placeholder 3"/>
+          <p:cNvSpPr>
+            <a:spLocks noGrp="1"/>
+          </p:cNvSpPr>
+          <p:nvPr>
+            <p:ph type="sldNum" sz="quarter" idx="10"/>
+          </p:nvPr>
+        </p:nvSpPr>
+        <p:spPr/>
+        <p:txBody>
+          <a:bodyPr/>
+          <a:lstStyle/>
+          <a:p>
+            <a:fld id="{F7021451-1387-4CA6-816F-3879F97B5CBC}" type="slidenum">
+              <a:rPr lang="en-US"/>
+              <a:t>8</a:t>
+            </a:fld>
+            <a:endParaRPr lang="en-US"/>
+          </a:p>
+        </p:txBody>
+      </p:sp>
+    </p:spTree>
+    <p:extLst>
+      <p:ext uri="{BB962C8B-B14F-4D97-AF65-F5344CB8AC3E}">
+        <p14:creationId xmlns:p14="http://schemas.microsoft.com/office/powerpoint/2010/main" val="1024086991"/>
+      </p:ext>
+    </p:extLst>
+  </p:cSld>
+  <p:clrMapOvr>
+    <a:masterClrMapping/>
+  </p:clrMapOvr>
+</p:notes>
+</file>
+
+<file path=ppt/notesSlides/notesSlide9.xml><?xml version="1.0" encoding="utf-8"?>
+<p:notes xmlns:a="http://schemas.openxmlformats.org/drawingml/2006/main" xmlns:r="http://schemas.openxmlformats.org/officeDocument/2006/relationships" xmlns:p="http://schemas.openxmlformats.org/presentationml/2006/main">
+  <p:cSld>
+    <p:spTree>
+      <p:nvGrpSpPr>
+        <p:cNvPr id="1" name=""/>
+        <p:cNvGrpSpPr/>
+        <p:nvPr/>
+      </p:nvGrpSpPr>
+      <p:grpSpPr>
+        <a:xfrm>
+          <a:off x="0" y="0"/>
+          <a:ext cx="0" cy="0"/>
+          <a:chOff x="0" y="0"/>
+          <a:chExt cx="0" cy="0"/>
+        </a:xfrm>
+      </p:grpSpPr>
+      <p:sp>
+        <p:nvSpPr>
+          <p:cNvPr id="2" name="Slide Image Placeholder 1"/>
+          <p:cNvSpPr>
+            <a:spLocks noGrp="1" noRot="1" noChangeAspect="1"/>
+          </p:cNvSpPr>
+          <p:nvPr>
+            <p:ph type="sldImg"/>
+          </p:nvPr>
+        </p:nvSpPr>
+        <p:spPr/>
+      </p:sp>
+      <p:sp>
+        <p:nvSpPr>
+          <p:cNvPr id="3" name="Notes Placeholder 2"/>
+          <p:cNvSpPr>
+            <a:spLocks noGrp="1"/>
+          </p:cNvSpPr>
+          <p:nvPr>
+            <p:ph type="body" idx="1"/>
+          </p:nvPr>
+        </p:nvSpPr>
+        <p:spPr/>
+        <p:txBody>
+          <a:bodyPr/>
+          <a:lstStyle/>
+          <a:p>
+            <a:r>
+              <a:rPr lang="en-US" dirty="0"/>
+              <a:t/>
+            </a:r>
+            <a:endParaRPr lang="en-US" dirty="0"/>
+          </a:p>
+        </p:txBody>
+      </p:sp>
+      <p:sp>
+        <p:nvSpPr>
+          <p:cNvPr id="4" name="Slide Number Placeholder 3"/>
+          <p:cNvSpPr>
+            <a:spLocks noGrp="1"/>
+          </p:cNvSpPr>
+          <p:nvPr>
+            <p:ph type="sldNum" sz="quarter" idx="10"/>
+          </p:nvPr>
+        </p:nvSpPr>
+        <p:spPr/>
+        <p:txBody>
+          <a:bodyPr/>
+          <a:lstStyle/>
+          <a:p>
+            <a:fld id="{F7021451-1387-4CA6-816F-3879F97B5CBC}" type="slidenum">
+              <a:rPr lang="en-US"/>
+              <a:t>9</a:t>
             </a:fld>
             <a:endParaRPr lang="en-US"/>
           </a:p>
@@ -1265,6 +1888,300 @@
 </p:sld>
 </file>
 
+<file path=ppt/slides/slide10.xml><?xml version="1.0" encoding="utf-8"?>
+<p:sld xmlns:a="http://schemas.openxmlformats.org/drawingml/2006/main" xmlns:r="http://schemas.openxmlformats.org/officeDocument/2006/relationships" xmlns:p="http://schemas.openxmlformats.org/presentationml/2006/main">
+  <p:cSld name="Slide 10">
+    <p:spTree>
+      <p:nvGrpSpPr>
+        <p:cNvPr id="1" name=""/>
+        <p:cNvGrpSpPr/>
+        <p:nvPr/>
+      </p:nvGrpSpPr>
+      <p:grpSpPr>
+        <a:xfrm>
+          <a:off x="0" y="0"/>
+          <a:ext cx="0" cy="0"/>
+          <a:chOff x="0" y="0"/>
+          <a:chExt cx="0" cy="0"/>
+        </a:xfrm>
+      </p:grpSpPr>
+      <p:sp>
+        <p:nvSpPr>
+          <p:cNvPr id="2" name="Text 0"/>
+          <p:cNvSpPr/>
+          <p:nvPr/>
+        </p:nvSpPr>
+        <p:spPr>
+          <a:xfrm>
+            <a:off x="0" y="914400"/>
+            <a:ext cx="9144000" cy="1828800"/>
+          </a:xfrm>
+          <a:prstGeom prst="rect">
+            <a:avLst/>
+          </a:prstGeom>
+          <a:noFill/>
+          <a:ln/>
+        </p:spPr>
+        <p:txBody>
+          <a:bodyPr wrap="square" rtlCol="0" anchor="ctr"/>
+          <a:lstStyle/>
+          <a:p>
+            <a:pPr algn="ctr" indent="0" marL="0">
+              <a:buNone/>
+            </a:pPr>
+            <a:r>
+              <a:rPr lang="en-US" sz="4800" dirty="0">
+                <a:solidFill>
+                  <a:srgbClr val="000000"/>
+                </a:solidFill>
+              </a:rPr>
+              <a:t>伝統</a:t>
+            </a:r>
+            <a:endParaRPr lang="en-US" sz="4800" dirty="0"/>
+          </a:p>
+          <a:p>
+            <a:pPr algn="ctr" indent="0" marL="0">
+              <a:buNone/>
+            </a:pPr>
+            <a:r>
+              <a:rPr lang="en-US" sz="4800" dirty="0">
+                <a:solidFill>
+                  <a:srgbClr val="000000"/>
+                </a:solidFill>
+              </a:rPr>
+              <a:t>でんとう</a:t>
+            </a:r>
+            <a:endParaRPr lang="en-US" sz="4800" dirty="0"/>
+          </a:p>
+        </p:txBody>
+      </p:sp>
+      <p:sp>
+        <p:nvSpPr>
+          <p:cNvPr id="3" name="Text 1"/>
+          <p:cNvSpPr/>
+          <p:nvPr/>
+        </p:nvSpPr>
+        <p:spPr>
+          <a:xfrm>
+            <a:off x="0" y="2743200"/>
+            <a:ext cx="9144000" cy="1828800"/>
+          </a:xfrm>
+          <a:prstGeom prst="rect">
+            <a:avLst/>
+          </a:prstGeom>
+          <a:noFill/>
+          <a:ln/>
+        </p:spPr>
+        <p:txBody>
+          <a:bodyPr wrap="square" rtlCol="0" anchor="ctr"/>
+          <a:lstStyle/>
+          <a:p>
+            <a:pPr algn="ctr" indent="0" marL="0">
+              <a:buNone/>
+            </a:pPr>
+            <a:r>
+              <a:rPr lang="en-US" sz="3600" dirty="0">
+                <a:solidFill>
+                  <a:srgbClr val="000000"/>
+                </a:solidFill>
+              </a:rPr>
+              <a:t>tradition, convention...</a:t>
+            </a:r>
+            <a:endParaRPr lang="en-US" sz="3600" dirty="0"/>
+          </a:p>
+        </p:txBody>
+      </p:sp>
+      <p:sp>
+        <p:nvSpPr>
+          <p:cNvPr id="4" name="Text 2"/>
+          <p:cNvSpPr/>
+          <p:nvPr/>
+        </p:nvSpPr>
+        <p:spPr>
+          <a:xfrm>
+            <a:off x="0" y="4572000"/>
+            <a:ext cx="7315200" cy="1828800"/>
+          </a:xfrm>
+          <a:prstGeom prst="rect">
+            <a:avLst/>
+          </a:prstGeom>
+          <a:noFill/>
+          <a:ln/>
+        </p:spPr>
+        <p:txBody>
+          <a:bodyPr wrap="square" rtlCol="0" anchor="ctr"/>
+          <a:lstStyle/>
+          <a:p>
+            <a:pPr algn="l" indent="0" marL="0">
+              <a:buNone/>
+            </a:pPr>
+            <a:r>
+              <a:rPr lang="en-US" sz="2400" dirty="0">
+                <a:solidFill>
+                  <a:srgbClr val="000000"/>
+                </a:solidFill>
+              </a:rPr>
+              <a:t>59-60</a:t>
+            </a:r>
+            <a:endParaRPr lang="en-US" sz="2400" dirty="0"/>
+          </a:p>
+        </p:txBody>
+      </p:sp>
+    </p:spTree>
+  </p:cSld>
+  <p:clrMapOvr>
+    <a:masterClrMapping/>
+  </p:clrMapOvr>
+</p:sld>
+</file>
+
+<file path=ppt/slides/slide11.xml><?xml version="1.0" encoding="utf-8"?>
+<p:sld xmlns:a="http://schemas.openxmlformats.org/drawingml/2006/main" xmlns:r="http://schemas.openxmlformats.org/officeDocument/2006/relationships" xmlns:p="http://schemas.openxmlformats.org/presentationml/2006/main">
+  <p:cSld name="Slide 11">
+    <p:spTree>
+      <p:nvGrpSpPr>
+        <p:cNvPr id="1" name=""/>
+        <p:cNvGrpSpPr/>
+        <p:nvPr/>
+      </p:nvGrpSpPr>
+      <p:grpSpPr>
+        <a:xfrm>
+          <a:off x="0" y="0"/>
+          <a:ext cx="0" cy="0"/>
+          <a:chOff x="0" y="0"/>
+          <a:chExt cx="0" cy="0"/>
+        </a:xfrm>
+      </p:grpSpPr>
+      <p:sp>
+        <p:nvSpPr>
+          <p:cNvPr id="2" name="Text 0"/>
+          <p:cNvSpPr/>
+          <p:nvPr/>
+        </p:nvSpPr>
+        <p:spPr>
+          <a:xfrm>
+            <a:off x="0" y="914400"/>
+            <a:ext cx="9144000" cy="1828800"/>
+          </a:xfrm>
+          <a:prstGeom prst="rect">
+            <a:avLst/>
+          </a:prstGeom>
+          <a:noFill/>
+          <a:ln/>
+        </p:spPr>
+        <p:txBody>
+          <a:bodyPr wrap="square" rtlCol="0" anchor="ctr"/>
+          <a:lstStyle/>
+          <a:p>
+            <a:pPr algn="ctr" indent="0" marL="0">
+              <a:buNone/>
+            </a:pPr>
+            <a:r>
+              <a:rPr lang="en-US" sz="4800" dirty="0">
+                <a:solidFill>
+                  <a:srgbClr val="000000"/>
+                </a:solidFill>
+              </a:rPr>
+              <a:t>紅茶</a:t>
+            </a:r>
+            <a:endParaRPr lang="en-US" sz="4800" dirty="0"/>
+          </a:p>
+          <a:p>
+            <a:pPr algn="ctr" indent="0" marL="0">
+              <a:buNone/>
+            </a:pPr>
+            <a:r>
+              <a:rPr lang="en-US" sz="4800" dirty="0">
+                <a:solidFill>
+                  <a:srgbClr val="000000"/>
+                </a:solidFill>
+              </a:rPr>
+              <a:t>こうちゃ</a:t>
+            </a:r>
+            <a:endParaRPr lang="en-US" sz="4800" dirty="0"/>
+          </a:p>
+        </p:txBody>
+      </p:sp>
+      <p:sp>
+        <p:nvSpPr>
+          <p:cNvPr id="3" name="Text 1"/>
+          <p:cNvSpPr/>
+          <p:nvPr/>
+        </p:nvSpPr>
+        <p:spPr>
+          <a:xfrm>
+            <a:off x="0" y="2743200"/>
+            <a:ext cx="9144000" cy="1828800"/>
+          </a:xfrm>
+          <a:prstGeom prst="rect">
+            <a:avLst/>
+          </a:prstGeom>
+          <a:noFill/>
+          <a:ln/>
+        </p:spPr>
+        <p:txBody>
+          <a:bodyPr wrap="square" rtlCol="0" anchor="ctr"/>
+          <a:lstStyle/>
+          <a:p>
+            <a:pPr algn="ctr" indent="0" marL="0">
+              <a:buNone/>
+            </a:pPr>
+            <a:r>
+              <a:rPr lang="en-US" sz="3600" dirty="0">
+                <a:solidFill>
+                  <a:srgbClr val="000000"/>
+                </a:solidFill>
+              </a:rPr>
+              <a:t>black tea...</a:t>
+            </a:r>
+            <a:endParaRPr lang="en-US" sz="3600" dirty="0"/>
+          </a:p>
+        </p:txBody>
+      </p:sp>
+      <p:sp>
+        <p:nvSpPr>
+          <p:cNvPr id="4" name="Text 2"/>
+          <p:cNvSpPr/>
+          <p:nvPr/>
+        </p:nvSpPr>
+        <p:spPr>
+          <a:xfrm>
+            <a:off x="0" y="4572000"/>
+            <a:ext cx="7315200" cy="1828800"/>
+          </a:xfrm>
+          <a:prstGeom prst="rect">
+            <a:avLst/>
+          </a:prstGeom>
+          <a:noFill/>
+          <a:ln/>
+        </p:spPr>
+        <p:txBody>
+          <a:bodyPr wrap="square" rtlCol="0" anchor="ctr"/>
+          <a:lstStyle/>
+          <a:p>
+            <a:pPr algn="l" indent="0" marL="0">
+              <a:buNone/>
+            </a:pPr>
+            <a:r>
+              <a:rPr lang="en-US" sz="2400" dirty="0">
+                <a:solidFill>
+                  <a:srgbClr val="000000"/>
+                </a:solidFill>
+              </a:rPr>
+              <a:t>59-60</a:t>
+            </a:r>
+            <a:endParaRPr lang="en-US" sz="2400" dirty="0"/>
+          </a:p>
+        </p:txBody>
+      </p:sp>
+    </p:spTree>
+  </p:cSld>
+  <p:clrMapOvr>
+    <a:masterClrMapping/>
+  </p:clrMapOvr>
+</p:sld>
+</file>
+
 <file path=ppt/slides/slide2.xml><?xml version="1.0" encoding="utf-8"?>
 <p:sld xmlns:a="http://schemas.openxmlformats.org/drawingml/2006/main" xmlns:r="http://schemas.openxmlformats.org/officeDocument/2006/relationships" xmlns:p="http://schemas.openxmlformats.org/presentationml/2006/main">
   <p:cSld name="Slide 2">
@@ -1656,7 +2573,742 @@
                   <a:srgbClr val="000000"/>
                 </a:solidFill>
               </a:rPr>
-              <a:t>municipality, local government, self...</a:t>
+              <a:t>municipality, local government, self-governing body, autonomous body...</a:t>
+            </a:r>
+            <a:endParaRPr lang="en-US" sz="3600" dirty="0"/>
+          </a:p>
+        </p:txBody>
+      </p:sp>
+      <p:sp>
+        <p:nvSpPr>
+          <p:cNvPr id="4" name="Text 2"/>
+          <p:cNvSpPr/>
+          <p:nvPr/>
+        </p:nvSpPr>
+        <p:spPr>
+          <a:xfrm>
+            <a:off x="0" y="4572000"/>
+            <a:ext cx="7315200" cy="1828800"/>
+          </a:xfrm>
+          <a:prstGeom prst="rect">
+            <a:avLst/>
+          </a:prstGeom>
+          <a:noFill/>
+          <a:ln/>
+        </p:spPr>
+        <p:txBody>
+          <a:bodyPr wrap="square" rtlCol="0" anchor="ctr"/>
+          <a:lstStyle/>
+          <a:p>
+            <a:pPr algn="l" indent="0" marL="0">
+              <a:buNone/>
+            </a:pPr>
+            <a:r>
+              <a:rPr lang="en-US" sz="2400" dirty="0">
+                <a:solidFill>
+                  <a:srgbClr val="000000"/>
+                </a:solidFill>
+              </a:rPr>
+              <a:t>59-60</a:t>
+            </a:r>
+            <a:endParaRPr lang="en-US" sz="2400" dirty="0"/>
+          </a:p>
+        </p:txBody>
+      </p:sp>
+    </p:spTree>
+  </p:cSld>
+  <p:clrMapOvr>
+    <a:masterClrMapping/>
+  </p:clrMapOvr>
+</p:sld>
+</file>
+
+<file path=ppt/slides/slide5.xml><?xml version="1.0" encoding="utf-8"?>
+<p:sld xmlns:a="http://schemas.openxmlformats.org/drawingml/2006/main" xmlns:r="http://schemas.openxmlformats.org/officeDocument/2006/relationships" xmlns:p="http://schemas.openxmlformats.org/presentationml/2006/main">
+  <p:cSld name="Slide 5">
+    <p:spTree>
+      <p:nvGrpSpPr>
+        <p:cNvPr id="1" name=""/>
+        <p:cNvGrpSpPr/>
+        <p:nvPr/>
+      </p:nvGrpSpPr>
+      <p:grpSpPr>
+        <a:xfrm>
+          <a:off x="0" y="0"/>
+          <a:ext cx="0" cy="0"/>
+          <a:chOff x="0" y="0"/>
+          <a:chExt cx="0" cy="0"/>
+        </a:xfrm>
+      </p:grpSpPr>
+      <p:sp>
+        <p:nvSpPr>
+          <p:cNvPr id="2" name="Text 0"/>
+          <p:cNvSpPr/>
+          <p:nvPr/>
+        </p:nvSpPr>
+        <p:spPr>
+          <a:xfrm>
+            <a:off x="0" y="914400"/>
+            <a:ext cx="9144000" cy="1828800"/>
+          </a:xfrm>
+          <a:prstGeom prst="rect">
+            <a:avLst/>
+          </a:prstGeom>
+          <a:noFill/>
+          <a:ln/>
+        </p:spPr>
+        <p:txBody>
+          <a:bodyPr wrap="square" rtlCol="0" anchor="ctr"/>
+          <a:lstStyle/>
+          <a:p>
+            <a:pPr algn="ctr" indent="0" marL="0">
+              <a:buNone/>
+            </a:pPr>
+            <a:r>
+              <a:rPr lang="en-US" sz="4800" dirty="0">
+                <a:solidFill>
+                  <a:srgbClr val="000000"/>
+                </a:solidFill>
+              </a:rPr>
+              <a:t>医療</a:t>
+            </a:r>
+            <a:endParaRPr lang="en-US" sz="4800" dirty="0"/>
+          </a:p>
+          <a:p>
+            <a:pPr algn="ctr" indent="0" marL="0">
+              <a:buNone/>
+            </a:pPr>
+            <a:r>
+              <a:rPr lang="en-US" sz="4800" dirty="0">
+                <a:solidFill>
+                  <a:srgbClr val="000000"/>
+                </a:solidFill>
+              </a:rPr>
+              <a:t>いりょう</a:t>
+            </a:r>
+            <a:endParaRPr lang="en-US" sz="4800" dirty="0"/>
+          </a:p>
+        </p:txBody>
+      </p:sp>
+      <p:sp>
+        <p:nvSpPr>
+          <p:cNvPr id="3" name="Text 1"/>
+          <p:cNvSpPr/>
+          <p:nvPr/>
+        </p:nvSpPr>
+        <p:spPr>
+          <a:xfrm>
+            <a:off x="0" y="2743200"/>
+            <a:ext cx="9144000" cy="1828800"/>
+          </a:xfrm>
+          <a:prstGeom prst="rect">
+            <a:avLst/>
+          </a:prstGeom>
+          <a:noFill/>
+          <a:ln/>
+        </p:spPr>
+        <p:txBody>
+          <a:bodyPr wrap="square" rtlCol="0" anchor="ctr"/>
+          <a:lstStyle/>
+          <a:p>
+            <a:pPr algn="ctr" indent="0" marL="0">
+              <a:buNone/>
+            </a:pPr>
+            <a:r>
+              <a:rPr lang="en-US" sz="3600" dirty="0">
+                <a:solidFill>
+                  <a:srgbClr val="000000"/>
+                </a:solidFill>
+              </a:rPr>
+              <a:t>medical care, medical treatment...</a:t>
+            </a:r>
+            <a:endParaRPr lang="en-US" sz="3600" dirty="0"/>
+          </a:p>
+        </p:txBody>
+      </p:sp>
+      <p:sp>
+        <p:nvSpPr>
+          <p:cNvPr id="4" name="Text 2"/>
+          <p:cNvSpPr/>
+          <p:nvPr/>
+        </p:nvSpPr>
+        <p:spPr>
+          <a:xfrm>
+            <a:off x="0" y="4572000"/>
+            <a:ext cx="7315200" cy="1828800"/>
+          </a:xfrm>
+          <a:prstGeom prst="rect">
+            <a:avLst/>
+          </a:prstGeom>
+          <a:noFill/>
+          <a:ln/>
+        </p:spPr>
+        <p:txBody>
+          <a:bodyPr wrap="square" rtlCol="0" anchor="ctr"/>
+          <a:lstStyle/>
+          <a:p>
+            <a:pPr algn="l" indent="0" marL="0">
+              <a:buNone/>
+            </a:pPr>
+            <a:r>
+              <a:rPr lang="en-US" sz="2400" dirty="0">
+                <a:solidFill>
+                  <a:srgbClr val="000000"/>
+                </a:solidFill>
+              </a:rPr>
+              <a:t>59-60</a:t>
+            </a:r>
+            <a:endParaRPr lang="en-US" sz="2400" dirty="0"/>
+          </a:p>
+        </p:txBody>
+      </p:sp>
+    </p:spTree>
+  </p:cSld>
+  <p:clrMapOvr>
+    <a:masterClrMapping/>
+  </p:clrMapOvr>
+</p:sld>
+</file>
+
+<file path=ppt/slides/slide6.xml><?xml version="1.0" encoding="utf-8"?>
+<p:sld xmlns:a="http://schemas.openxmlformats.org/drawingml/2006/main" xmlns:r="http://schemas.openxmlformats.org/officeDocument/2006/relationships" xmlns:p="http://schemas.openxmlformats.org/presentationml/2006/main">
+  <p:cSld name="Slide 6">
+    <p:spTree>
+      <p:nvGrpSpPr>
+        <p:cNvPr id="1" name=""/>
+        <p:cNvGrpSpPr/>
+        <p:nvPr/>
+      </p:nvGrpSpPr>
+      <p:grpSpPr>
+        <a:xfrm>
+          <a:off x="0" y="0"/>
+          <a:ext cx="0" cy="0"/>
+          <a:chOff x="0" y="0"/>
+          <a:chExt cx="0" cy="0"/>
+        </a:xfrm>
+      </p:grpSpPr>
+      <p:sp>
+        <p:nvSpPr>
+          <p:cNvPr id="2" name="Text 0"/>
+          <p:cNvSpPr/>
+          <p:nvPr/>
+        </p:nvSpPr>
+        <p:spPr>
+          <a:xfrm>
+            <a:off x="0" y="914400"/>
+            <a:ext cx="9144000" cy="1828800"/>
+          </a:xfrm>
+          <a:prstGeom prst="rect">
+            <a:avLst/>
+          </a:prstGeom>
+          <a:noFill/>
+          <a:ln/>
+        </p:spPr>
+        <p:txBody>
+          <a:bodyPr wrap="square" rtlCol="0" anchor="ctr"/>
+          <a:lstStyle/>
+          <a:p>
+            <a:pPr algn="ctr" indent="0" marL="0">
+              <a:buNone/>
+            </a:pPr>
+            <a:r>
+              <a:rPr lang="en-US" sz="4800" dirty="0">
+                <a:solidFill>
+                  <a:srgbClr val="000000"/>
+                </a:solidFill>
+              </a:rPr>
+              <a:t>片仮名</a:t>
+            </a:r>
+            <a:endParaRPr lang="en-US" sz="4800" dirty="0"/>
+          </a:p>
+          <a:p>
+            <a:pPr algn="ctr" indent="0" marL="0">
+              <a:buNone/>
+            </a:pPr>
+            <a:r>
+              <a:rPr lang="en-US" sz="4800" dirty="0">
+                <a:solidFill>
+                  <a:srgbClr val="000000"/>
+                </a:solidFill>
+              </a:rPr>
+              <a:t>かたかな</a:t>
+            </a:r>
+            <a:endParaRPr lang="en-US" sz="4800" dirty="0"/>
+          </a:p>
+        </p:txBody>
+      </p:sp>
+      <p:sp>
+        <p:nvSpPr>
+          <p:cNvPr id="3" name="Text 1"/>
+          <p:cNvSpPr/>
+          <p:nvPr/>
+        </p:nvSpPr>
+        <p:spPr>
+          <a:xfrm>
+            <a:off x="0" y="2743200"/>
+            <a:ext cx="9144000" cy="1828800"/>
+          </a:xfrm>
+          <a:prstGeom prst="rect">
+            <a:avLst/>
+          </a:prstGeom>
+          <a:noFill/>
+          <a:ln/>
+        </p:spPr>
+        <p:txBody>
+          <a:bodyPr wrap="square" rtlCol="0" anchor="ctr"/>
+          <a:lstStyle/>
+          <a:p>
+            <a:pPr algn="ctr" indent="0" marL="0">
+              <a:buNone/>
+            </a:pPr>
+            <a:r>
+              <a:rPr lang="en-US" sz="3600" dirty="0">
+                <a:solidFill>
+                  <a:srgbClr val="000000"/>
+                </a:solidFill>
+              </a:rPr>
+              <a:t>katakana, angular Japanese syllabary used primarily for loanwords...</a:t>
+            </a:r>
+            <a:endParaRPr lang="en-US" sz="3600" dirty="0"/>
+          </a:p>
+        </p:txBody>
+      </p:sp>
+      <p:sp>
+        <p:nvSpPr>
+          <p:cNvPr id="4" name="Text 2"/>
+          <p:cNvSpPr/>
+          <p:nvPr/>
+        </p:nvSpPr>
+        <p:spPr>
+          <a:xfrm>
+            <a:off x="0" y="4572000"/>
+            <a:ext cx="7315200" cy="1828800"/>
+          </a:xfrm>
+          <a:prstGeom prst="rect">
+            <a:avLst/>
+          </a:prstGeom>
+          <a:noFill/>
+          <a:ln/>
+        </p:spPr>
+        <p:txBody>
+          <a:bodyPr wrap="square" rtlCol="0" anchor="ctr"/>
+          <a:lstStyle/>
+          <a:p>
+            <a:pPr algn="l" indent="0" marL="0">
+              <a:buNone/>
+            </a:pPr>
+            <a:r>
+              <a:rPr lang="en-US" sz="2400" dirty="0">
+                <a:solidFill>
+                  <a:srgbClr val="000000"/>
+                </a:solidFill>
+              </a:rPr>
+              <a:t>59-60</a:t>
+            </a:r>
+            <a:endParaRPr lang="en-US" sz="2400" dirty="0"/>
+          </a:p>
+        </p:txBody>
+      </p:sp>
+    </p:spTree>
+  </p:cSld>
+  <p:clrMapOvr>
+    <a:masterClrMapping/>
+  </p:clrMapOvr>
+</p:sld>
+</file>
+
+<file path=ppt/slides/slide7.xml><?xml version="1.0" encoding="utf-8"?>
+<p:sld xmlns:a="http://schemas.openxmlformats.org/drawingml/2006/main" xmlns:r="http://schemas.openxmlformats.org/officeDocument/2006/relationships" xmlns:p="http://schemas.openxmlformats.org/presentationml/2006/main">
+  <p:cSld name="Slide 7">
+    <p:spTree>
+      <p:nvGrpSpPr>
+        <p:cNvPr id="1" name=""/>
+        <p:cNvGrpSpPr/>
+        <p:nvPr/>
+      </p:nvGrpSpPr>
+      <p:grpSpPr>
+        <a:xfrm>
+          <a:off x="0" y="0"/>
+          <a:ext cx="0" cy="0"/>
+          <a:chOff x="0" y="0"/>
+          <a:chExt cx="0" cy="0"/>
+        </a:xfrm>
+      </p:grpSpPr>
+      <p:sp>
+        <p:nvSpPr>
+          <p:cNvPr id="2" name="Text 0"/>
+          <p:cNvSpPr/>
+          <p:nvPr/>
+        </p:nvSpPr>
+        <p:spPr>
+          <a:xfrm>
+            <a:off x="0" y="914400"/>
+            <a:ext cx="9144000" cy="1828800"/>
+          </a:xfrm>
+          <a:prstGeom prst="rect">
+            <a:avLst/>
+          </a:prstGeom>
+          <a:noFill/>
+          <a:ln/>
+        </p:spPr>
+        <p:txBody>
+          <a:bodyPr wrap="square" rtlCol="0" anchor="ctr"/>
+          <a:lstStyle/>
+          <a:p>
+            <a:pPr algn="ctr" indent="0" marL="0">
+              <a:buNone/>
+            </a:pPr>
+            <a:r>
+              <a:rPr lang="en-US" sz="4800" dirty="0">
+                <a:solidFill>
+                  <a:srgbClr val="000000"/>
+                </a:solidFill>
+              </a:rPr>
+              <a:t>夜景</a:t>
+            </a:r>
+            <a:endParaRPr lang="en-US" sz="4800" dirty="0"/>
+          </a:p>
+          <a:p>
+            <a:pPr algn="ctr" indent="0" marL="0">
+              <a:buNone/>
+            </a:pPr>
+            <a:r>
+              <a:rPr lang="en-US" sz="4800" dirty="0">
+                <a:solidFill>
+                  <a:srgbClr val="000000"/>
+                </a:solidFill>
+              </a:rPr>
+              <a:t>やけい</a:t>
+            </a:r>
+            <a:endParaRPr lang="en-US" sz="4800" dirty="0"/>
+          </a:p>
+        </p:txBody>
+      </p:sp>
+      <p:sp>
+        <p:nvSpPr>
+          <p:cNvPr id="3" name="Text 1"/>
+          <p:cNvSpPr/>
+          <p:nvPr/>
+        </p:nvSpPr>
+        <p:spPr>
+          <a:xfrm>
+            <a:off x="0" y="2743200"/>
+            <a:ext cx="9144000" cy="1828800"/>
+          </a:xfrm>
+          <a:prstGeom prst="rect">
+            <a:avLst/>
+          </a:prstGeom>
+          <a:noFill/>
+          <a:ln/>
+        </p:spPr>
+        <p:txBody>
+          <a:bodyPr wrap="square" rtlCol="0" anchor="ctr"/>
+          <a:lstStyle/>
+          <a:p>
+            <a:pPr algn="ctr" indent="0" marL="0">
+              <a:buNone/>
+            </a:pPr>
+            <a:r>
+              <a:rPr lang="en-US" sz="3600" dirty="0">
+                <a:solidFill>
+                  <a:srgbClr val="000000"/>
+                </a:solidFill>
+              </a:rPr>
+              <a:t>night view, night skyline, nightscape...</a:t>
+            </a:r>
+            <a:endParaRPr lang="en-US" sz="3600" dirty="0"/>
+          </a:p>
+        </p:txBody>
+      </p:sp>
+      <p:sp>
+        <p:nvSpPr>
+          <p:cNvPr id="4" name="Text 2"/>
+          <p:cNvSpPr/>
+          <p:nvPr/>
+        </p:nvSpPr>
+        <p:spPr>
+          <a:xfrm>
+            <a:off x="0" y="4572000"/>
+            <a:ext cx="7315200" cy="1828800"/>
+          </a:xfrm>
+          <a:prstGeom prst="rect">
+            <a:avLst/>
+          </a:prstGeom>
+          <a:noFill/>
+          <a:ln/>
+        </p:spPr>
+        <p:txBody>
+          <a:bodyPr wrap="square" rtlCol="0" anchor="ctr"/>
+          <a:lstStyle/>
+          <a:p>
+            <a:pPr algn="l" indent="0" marL="0">
+              <a:buNone/>
+            </a:pPr>
+            <a:r>
+              <a:rPr lang="en-US" sz="2400" dirty="0">
+                <a:solidFill>
+                  <a:srgbClr val="000000"/>
+                </a:solidFill>
+              </a:rPr>
+              <a:t>59-60</a:t>
+            </a:r>
+            <a:endParaRPr lang="en-US" sz="2400" dirty="0"/>
+          </a:p>
+        </p:txBody>
+      </p:sp>
+    </p:spTree>
+  </p:cSld>
+  <p:clrMapOvr>
+    <a:masterClrMapping/>
+  </p:clrMapOvr>
+</p:sld>
+</file>
+
+<file path=ppt/slides/slide8.xml><?xml version="1.0" encoding="utf-8"?>
+<p:sld xmlns:a="http://schemas.openxmlformats.org/drawingml/2006/main" xmlns:r="http://schemas.openxmlformats.org/officeDocument/2006/relationships" xmlns:p="http://schemas.openxmlformats.org/presentationml/2006/main">
+  <p:cSld name="Slide 8">
+    <p:spTree>
+      <p:nvGrpSpPr>
+        <p:cNvPr id="1" name=""/>
+        <p:cNvGrpSpPr/>
+        <p:nvPr/>
+      </p:nvGrpSpPr>
+      <p:grpSpPr>
+        <a:xfrm>
+          <a:off x="0" y="0"/>
+          <a:ext cx="0" cy="0"/>
+          <a:chOff x="0" y="0"/>
+          <a:chExt cx="0" cy="0"/>
+        </a:xfrm>
+      </p:grpSpPr>
+      <p:sp>
+        <p:nvSpPr>
+          <p:cNvPr id="2" name="Text 0"/>
+          <p:cNvSpPr/>
+          <p:nvPr/>
+        </p:nvSpPr>
+        <p:spPr>
+          <a:xfrm>
+            <a:off x="0" y="914400"/>
+            <a:ext cx="9144000" cy="1828800"/>
+          </a:xfrm>
+          <a:prstGeom prst="rect">
+            <a:avLst/>
+          </a:prstGeom>
+          <a:noFill/>
+          <a:ln/>
+        </p:spPr>
+        <p:txBody>
+          <a:bodyPr wrap="square" rtlCol="0" anchor="ctr"/>
+          <a:lstStyle/>
+          <a:p>
+            <a:pPr algn="ctr" indent="0" marL="0">
+              <a:buNone/>
+            </a:pPr>
+            <a:r>
+              <a:rPr lang="en-US" sz="4800" dirty="0">
+                <a:solidFill>
+                  <a:srgbClr val="000000"/>
+                </a:solidFill>
+              </a:rPr>
+              <a:t>景色</a:t>
+            </a:r>
+            <a:endParaRPr lang="en-US" sz="4800" dirty="0"/>
+          </a:p>
+          <a:p>
+            <a:pPr algn="ctr" indent="0" marL="0">
+              <a:buNone/>
+            </a:pPr>
+            <a:r>
+              <a:rPr lang="en-US" sz="4800" dirty="0">
+                <a:solidFill>
+                  <a:srgbClr val="000000"/>
+                </a:solidFill>
+              </a:rPr>
+              <a:t>けしき</a:t>
+            </a:r>
+            <a:endParaRPr lang="en-US" sz="4800" dirty="0"/>
+          </a:p>
+        </p:txBody>
+      </p:sp>
+      <p:sp>
+        <p:nvSpPr>
+          <p:cNvPr id="3" name="Text 1"/>
+          <p:cNvSpPr/>
+          <p:nvPr/>
+        </p:nvSpPr>
+        <p:spPr>
+          <a:xfrm>
+            <a:off x="0" y="2743200"/>
+            <a:ext cx="9144000" cy="1828800"/>
+          </a:xfrm>
+          <a:prstGeom prst="rect">
+            <a:avLst/>
+          </a:prstGeom>
+          <a:noFill/>
+          <a:ln/>
+        </p:spPr>
+        <p:txBody>
+          <a:bodyPr wrap="square" rtlCol="0" anchor="ctr"/>
+          <a:lstStyle/>
+          <a:p>
+            <a:pPr algn="ctr" indent="0" marL="0">
+              <a:buNone/>
+            </a:pPr>
+            <a:r>
+              <a:rPr lang="en-US" sz="3600" dirty="0">
+                <a:solidFill>
+                  <a:srgbClr val="000000"/>
+                </a:solidFill>
+              </a:rPr>
+              <a:t>scenery, scene, landscape...</a:t>
+            </a:r>
+            <a:endParaRPr lang="en-US" sz="3600" dirty="0"/>
+          </a:p>
+        </p:txBody>
+      </p:sp>
+      <p:sp>
+        <p:nvSpPr>
+          <p:cNvPr id="4" name="Text 2"/>
+          <p:cNvSpPr/>
+          <p:nvPr/>
+        </p:nvSpPr>
+        <p:spPr>
+          <a:xfrm>
+            <a:off x="0" y="4572000"/>
+            <a:ext cx="7315200" cy="1828800"/>
+          </a:xfrm>
+          <a:prstGeom prst="rect">
+            <a:avLst/>
+          </a:prstGeom>
+          <a:noFill/>
+          <a:ln/>
+        </p:spPr>
+        <p:txBody>
+          <a:bodyPr wrap="square" rtlCol="0" anchor="ctr"/>
+          <a:lstStyle/>
+          <a:p>
+            <a:pPr algn="l" indent="0" marL="0">
+              <a:buNone/>
+            </a:pPr>
+            <a:r>
+              <a:rPr lang="en-US" sz="2400" dirty="0">
+                <a:solidFill>
+                  <a:srgbClr val="000000"/>
+                </a:solidFill>
+              </a:rPr>
+              <a:t>59-60</a:t>
+            </a:r>
+            <a:endParaRPr lang="en-US" sz="2400" dirty="0"/>
+          </a:p>
+        </p:txBody>
+      </p:sp>
+    </p:spTree>
+  </p:cSld>
+  <p:clrMapOvr>
+    <a:masterClrMapping/>
+  </p:clrMapOvr>
+</p:sld>
+</file>
+
+<file path=ppt/slides/slide9.xml><?xml version="1.0" encoding="utf-8"?>
+<p:sld xmlns:a="http://schemas.openxmlformats.org/drawingml/2006/main" xmlns:r="http://schemas.openxmlformats.org/officeDocument/2006/relationships" xmlns:p="http://schemas.openxmlformats.org/presentationml/2006/main">
+  <p:cSld name="Slide 9">
+    <p:spTree>
+      <p:nvGrpSpPr>
+        <p:cNvPr id="1" name=""/>
+        <p:cNvGrpSpPr/>
+        <p:nvPr/>
+      </p:nvGrpSpPr>
+      <p:grpSpPr>
+        <a:xfrm>
+          <a:off x="0" y="0"/>
+          <a:ext cx="0" cy="0"/>
+          <a:chOff x="0" y="0"/>
+          <a:chExt cx="0" cy="0"/>
+        </a:xfrm>
+      </p:grpSpPr>
+      <p:sp>
+        <p:nvSpPr>
+          <p:cNvPr id="2" name="Text 0"/>
+          <p:cNvSpPr/>
+          <p:nvPr/>
+        </p:nvSpPr>
+        <p:spPr>
+          <a:xfrm>
+            <a:off x="0" y="914400"/>
+            <a:ext cx="9144000" cy="1828800"/>
+          </a:xfrm>
+          <a:prstGeom prst="rect">
+            <a:avLst/>
+          </a:prstGeom>
+          <a:noFill/>
+          <a:ln/>
+        </p:spPr>
+        <p:txBody>
+          <a:bodyPr wrap="square" rtlCol="0" anchor="ctr"/>
+          <a:lstStyle/>
+          <a:p>
+            <a:pPr algn="ctr" indent="0" marL="0">
+              <a:buNone/>
+            </a:pPr>
+            <a:r>
+              <a:rPr lang="en-US" sz="4800" dirty="0">
+                <a:solidFill>
+                  <a:srgbClr val="000000"/>
+                </a:solidFill>
+              </a:rPr>
+              <a:t>宗教</a:t>
+            </a:r>
+            <a:endParaRPr lang="en-US" sz="4800" dirty="0"/>
+          </a:p>
+          <a:p>
+            <a:pPr algn="ctr" indent="0" marL="0">
+              <a:buNone/>
+            </a:pPr>
+            <a:r>
+              <a:rPr lang="en-US" sz="4800" dirty="0">
+                <a:solidFill>
+                  <a:srgbClr val="000000"/>
+                </a:solidFill>
+              </a:rPr>
+              <a:t>しゅうきょう</a:t>
+            </a:r>
+            <a:endParaRPr lang="en-US" sz="4800" dirty="0"/>
+          </a:p>
+        </p:txBody>
+      </p:sp>
+      <p:sp>
+        <p:nvSpPr>
+          <p:cNvPr id="3" name="Text 1"/>
+          <p:cNvSpPr/>
+          <p:nvPr/>
+        </p:nvSpPr>
+        <p:spPr>
+          <a:xfrm>
+            <a:off x="0" y="2743200"/>
+            <a:ext cx="9144000" cy="1828800"/>
+          </a:xfrm>
+          <a:prstGeom prst="rect">
+            <a:avLst/>
+          </a:prstGeom>
+          <a:noFill/>
+          <a:ln/>
+        </p:spPr>
+        <p:txBody>
+          <a:bodyPr wrap="square" rtlCol="0" anchor="ctr"/>
+          <a:lstStyle/>
+          <a:p>
+            <a:pPr algn="ctr" indent="0" marL="0">
+              <a:buNone/>
+            </a:pPr>
+            <a:r>
+              <a:rPr lang="en-US" sz="3600" dirty="0">
+                <a:solidFill>
+                  <a:srgbClr val="000000"/>
+                </a:solidFill>
+              </a:rPr>
+              <a:t>religion, religious affiliation, belief, faith, creed | religious activity...</a:t>
             </a:r>
             <a:endParaRPr lang="en-US" sz="3600" dirty="0"/>
           </a:p>
